--- a/doc/0_herramientas y librerias.pptx
+++ b/doc/0_herramientas y librerias.pptx
@@ -204,7 +204,7 @@
           <a:p>
             <a:fld id="{CA37ED47-F5DD-4968-A466-E2B16A686865}" type="datetimeFigureOut">
               <a:rPr lang="es-ES" smtClean="0"/>
-              <a:t>03/09/2025</a:t>
+              <a:t>08/09/2025</a:t>
             </a:fld>
             <a:endParaRPr lang="es-ES"/>
           </a:p>
@@ -618,7 +618,7 @@
           <a:p>
             <a:fld id="{DC36F9CC-B4E6-4C76-BC87-64B8F19A0573}" type="datetime1">
               <a:rPr lang="es-ES" smtClean="0"/>
-              <a:t>03/09/2025</a:t>
+              <a:t>08/09/2025</a:t>
             </a:fld>
             <a:endParaRPr lang="es-ES"/>
           </a:p>
@@ -816,7 +816,7 @@
           <a:p>
             <a:fld id="{9DFA4916-44B3-4584-899B-CA8744265DFB}" type="datetime1">
               <a:rPr lang="es-ES" smtClean="0"/>
-              <a:t>03/09/2025</a:t>
+              <a:t>08/09/2025</a:t>
             </a:fld>
             <a:endParaRPr lang="es-ES"/>
           </a:p>
@@ -1024,7 +1024,7 @@
           <a:p>
             <a:fld id="{E747C189-4434-4CFE-812E-2AC78BDEBEC9}" type="datetime1">
               <a:rPr lang="es-ES" smtClean="0"/>
-              <a:t>03/09/2025</a:t>
+              <a:t>08/09/2025</a:t>
             </a:fld>
             <a:endParaRPr lang="es-ES"/>
           </a:p>
@@ -1222,7 +1222,7 @@
           <a:p>
             <a:fld id="{0A686176-C673-4AD9-8A66-9733DAB4BF7D}" type="datetime1">
               <a:rPr lang="es-ES" smtClean="0"/>
-              <a:t>03/09/2025</a:t>
+              <a:t>08/09/2025</a:t>
             </a:fld>
             <a:endParaRPr lang="es-ES"/>
           </a:p>
@@ -1497,7 +1497,7 @@
           <a:p>
             <a:fld id="{8470EA4F-6B0E-4427-9EB1-6098DEEB218A}" type="datetime1">
               <a:rPr lang="es-ES" smtClean="0"/>
-              <a:t>03/09/2025</a:t>
+              <a:t>08/09/2025</a:t>
             </a:fld>
             <a:endParaRPr lang="es-ES"/>
           </a:p>
@@ -1762,7 +1762,7 @@
           <a:p>
             <a:fld id="{03E38D52-E6E2-48D9-8E98-96634A793863}" type="datetime1">
               <a:rPr lang="es-ES" smtClean="0"/>
-              <a:t>03/09/2025</a:t>
+              <a:t>08/09/2025</a:t>
             </a:fld>
             <a:endParaRPr lang="es-ES"/>
           </a:p>
@@ -2174,7 +2174,7 @@
           <a:p>
             <a:fld id="{789FE4C5-0282-4463-B421-F02C79E70FC2}" type="datetime1">
               <a:rPr lang="es-ES" smtClean="0"/>
-              <a:t>03/09/2025</a:t>
+              <a:t>08/09/2025</a:t>
             </a:fld>
             <a:endParaRPr lang="es-ES"/>
           </a:p>
@@ -2315,7 +2315,7 @@
           <a:p>
             <a:fld id="{9B0ECB1D-D8CE-4101-A872-1285F455440A}" type="datetime1">
               <a:rPr lang="es-ES" smtClean="0"/>
-              <a:t>03/09/2025</a:t>
+              <a:t>08/09/2025</a:t>
             </a:fld>
             <a:endParaRPr lang="es-ES"/>
           </a:p>
@@ -2428,7 +2428,7 @@
           <a:p>
             <a:fld id="{6E1E463F-FCE4-4F78-B42C-27077659ED77}" type="datetime1">
               <a:rPr lang="es-ES" smtClean="0"/>
-              <a:t>03/09/2025</a:t>
+              <a:t>08/09/2025</a:t>
             </a:fld>
             <a:endParaRPr lang="es-ES"/>
           </a:p>
@@ -2739,7 +2739,7 @@
           <a:p>
             <a:fld id="{47AFC234-03C2-4268-9446-FF0276F79ABD}" type="datetime1">
               <a:rPr lang="es-ES" smtClean="0"/>
-              <a:t>03/09/2025</a:t>
+              <a:t>08/09/2025</a:t>
             </a:fld>
             <a:endParaRPr lang="es-ES"/>
           </a:p>
@@ -3027,7 +3027,7 @@
           <a:p>
             <a:fld id="{FF5D5F42-B11A-4F64-A5C1-97DDE426EE55}" type="datetime1">
               <a:rPr lang="es-ES" smtClean="0"/>
-              <a:t>03/09/2025</a:t>
+              <a:t>08/09/2025</a:t>
             </a:fld>
             <a:endParaRPr lang="es-ES"/>
           </a:p>
@@ -3268,7 +3268,7 @@
           <a:p>
             <a:fld id="{7F1B1B80-3BEE-4036-98B0-7720C04207C7}" type="datetime1">
               <a:rPr lang="es-ES" smtClean="0"/>
-              <a:t>03/09/2025</a:t>
+              <a:t>08/09/2025</a:t>
             </a:fld>
             <a:endParaRPr lang="es-ES"/>
           </a:p>
@@ -4373,6 +4373,75 @@
             <a:r>
               <a:rPr lang="es-ES" dirty="0" err="1"/>
               <a:t>grpc</a:t>
+            </a:r>
+            <a:endParaRPr lang="es-ES" dirty="0"/>
+          </a:p>
+          <a:p>
+            <a:r>
+              <a:rPr lang="es-ES" dirty="0" err="1"/>
+              <a:t>vcpkg</a:t>
+            </a:r>
+            <a:r>
+              <a:rPr lang="es-ES" dirty="0"/>
+              <a:t> </a:t>
+            </a:r>
+            <a:r>
+              <a:rPr lang="es-ES" dirty="0" err="1"/>
+              <a:t>install</a:t>
+            </a:r>
+            <a:r>
+              <a:rPr lang="es-ES" dirty="0"/>
+              <a:t> </a:t>
+            </a:r>
+            <a:r>
+              <a:rPr lang="es-ES" dirty="0" err="1"/>
+              <a:t>protobuf</a:t>
+            </a:r>
+            <a:endParaRPr lang="es-ES" dirty="0"/>
+          </a:p>
+          <a:p>
+            <a:r>
+              <a:rPr lang="es-ES" dirty="0" err="1"/>
+              <a:t>vcpkg</a:t>
+            </a:r>
+            <a:r>
+              <a:rPr lang="es-ES" dirty="0"/>
+              <a:t> </a:t>
+            </a:r>
+            <a:r>
+              <a:rPr lang="es-ES" dirty="0" err="1"/>
+              <a:t>install</a:t>
+            </a:r>
+            <a:r>
+              <a:rPr lang="es-ES" dirty="0"/>
+              <a:t> </a:t>
+            </a:r>
+            <a:r>
+              <a:rPr lang="es-ES" dirty="0" err="1"/>
+              <a:t>zeromq</a:t>
+            </a:r>
+            <a:endParaRPr lang="es-ES" dirty="0"/>
+          </a:p>
+          <a:p>
+            <a:r>
+              <a:rPr lang="es-ES" dirty="0" err="1"/>
+              <a:t>vcpkg</a:t>
+            </a:r>
+            <a:r>
+              <a:rPr lang="es-ES" dirty="0"/>
+              <a:t> </a:t>
+            </a:r>
+            <a:r>
+              <a:rPr lang="es-ES" dirty="0" err="1"/>
+              <a:t>install</a:t>
+            </a:r>
+            <a:r>
+              <a:rPr lang="es-ES" dirty="0"/>
+              <a:t> </a:t>
+            </a:r>
+            <a:r>
+              <a:rPr lang="es-ES" dirty="0" err="1"/>
+              <a:t>simpleamqpclient</a:t>
             </a:r>
             <a:endParaRPr lang="es-ES" dirty="0"/>
           </a:p>

--- a/doc/0_herramientas y librerias.pptx
+++ b/doc/0_herramientas y librerias.pptx
@@ -204,7 +204,7 @@
           <a:p>
             <a:fld id="{CA37ED47-F5DD-4968-A466-E2B16A686865}" type="datetimeFigureOut">
               <a:rPr lang="es-ES" smtClean="0"/>
-              <a:t>08/09/2025</a:t>
+              <a:t>02/10/2025</a:t>
             </a:fld>
             <a:endParaRPr lang="es-ES"/>
           </a:p>
@@ -618,7 +618,7 @@
           <a:p>
             <a:fld id="{DC36F9CC-B4E6-4C76-BC87-64B8F19A0573}" type="datetime1">
               <a:rPr lang="es-ES" smtClean="0"/>
-              <a:t>08/09/2025</a:t>
+              <a:t>02/10/2025</a:t>
             </a:fld>
             <a:endParaRPr lang="es-ES"/>
           </a:p>
@@ -816,7 +816,7 @@
           <a:p>
             <a:fld id="{9DFA4916-44B3-4584-899B-CA8744265DFB}" type="datetime1">
               <a:rPr lang="es-ES" smtClean="0"/>
-              <a:t>08/09/2025</a:t>
+              <a:t>02/10/2025</a:t>
             </a:fld>
             <a:endParaRPr lang="es-ES"/>
           </a:p>
@@ -1024,7 +1024,7 @@
           <a:p>
             <a:fld id="{E747C189-4434-4CFE-812E-2AC78BDEBEC9}" type="datetime1">
               <a:rPr lang="es-ES" smtClean="0"/>
-              <a:t>08/09/2025</a:t>
+              <a:t>02/10/2025</a:t>
             </a:fld>
             <a:endParaRPr lang="es-ES"/>
           </a:p>
@@ -1222,7 +1222,7 @@
           <a:p>
             <a:fld id="{0A686176-C673-4AD9-8A66-9733DAB4BF7D}" type="datetime1">
               <a:rPr lang="es-ES" smtClean="0"/>
-              <a:t>08/09/2025</a:t>
+              <a:t>02/10/2025</a:t>
             </a:fld>
             <a:endParaRPr lang="es-ES"/>
           </a:p>
@@ -1497,7 +1497,7 @@
           <a:p>
             <a:fld id="{8470EA4F-6B0E-4427-9EB1-6098DEEB218A}" type="datetime1">
               <a:rPr lang="es-ES" smtClean="0"/>
-              <a:t>08/09/2025</a:t>
+              <a:t>02/10/2025</a:t>
             </a:fld>
             <a:endParaRPr lang="es-ES"/>
           </a:p>
@@ -1762,7 +1762,7 @@
           <a:p>
             <a:fld id="{03E38D52-E6E2-48D9-8E98-96634A793863}" type="datetime1">
               <a:rPr lang="es-ES" smtClean="0"/>
-              <a:t>08/09/2025</a:t>
+              <a:t>02/10/2025</a:t>
             </a:fld>
             <a:endParaRPr lang="es-ES"/>
           </a:p>
@@ -2174,7 +2174,7 @@
           <a:p>
             <a:fld id="{789FE4C5-0282-4463-B421-F02C79E70FC2}" type="datetime1">
               <a:rPr lang="es-ES" smtClean="0"/>
-              <a:t>08/09/2025</a:t>
+              <a:t>02/10/2025</a:t>
             </a:fld>
             <a:endParaRPr lang="es-ES"/>
           </a:p>
@@ -2315,7 +2315,7 @@
           <a:p>
             <a:fld id="{9B0ECB1D-D8CE-4101-A872-1285F455440A}" type="datetime1">
               <a:rPr lang="es-ES" smtClean="0"/>
-              <a:t>08/09/2025</a:t>
+              <a:t>02/10/2025</a:t>
             </a:fld>
             <a:endParaRPr lang="es-ES"/>
           </a:p>
@@ -2428,7 +2428,7 @@
           <a:p>
             <a:fld id="{6E1E463F-FCE4-4F78-B42C-27077659ED77}" type="datetime1">
               <a:rPr lang="es-ES" smtClean="0"/>
-              <a:t>08/09/2025</a:t>
+              <a:t>02/10/2025</a:t>
             </a:fld>
             <a:endParaRPr lang="es-ES"/>
           </a:p>
@@ -2739,7 +2739,7 @@
           <a:p>
             <a:fld id="{47AFC234-03C2-4268-9446-FF0276F79ABD}" type="datetime1">
               <a:rPr lang="es-ES" smtClean="0"/>
-              <a:t>08/09/2025</a:t>
+              <a:t>02/10/2025</a:t>
             </a:fld>
             <a:endParaRPr lang="es-ES"/>
           </a:p>
@@ -3027,7 +3027,7 @@
           <a:p>
             <a:fld id="{FF5D5F42-B11A-4F64-A5C1-97DDE426EE55}" type="datetime1">
               <a:rPr lang="es-ES" smtClean="0"/>
-              <a:t>08/09/2025</a:t>
+              <a:t>02/10/2025</a:t>
             </a:fld>
             <a:endParaRPr lang="es-ES"/>
           </a:p>
@@ -3268,7 +3268,7 @@
           <a:p>
             <a:fld id="{7F1B1B80-3BEE-4036-98B0-7720C04207C7}" type="datetime1">
               <a:rPr lang="es-ES" smtClean="0"/>
-              <a:t>08/09/2025</a:t>
+              <a:t>02/10/2025</a:t>
             </a:fld>
             <a:endParaRPr lang="es-ES"/>
           </a:p>
@@ -4224,10 +4224,10 @@
       </p:sp>
       <p:pic>
         <p:nvPicPr>
-          <p:cNvPr id="5" name="Imagen 4">
-            <a:extLst>
-              <a:ext uri="{FF2B5EF4-FFF2-40B4-BE49-F238E27FC236}">
-                <a16:creationId xmlns:a16="http://schemas.microsoft.com/office/drawing/2014/main" id="{C43AE20E-7D89-6B22-1AC3-F11F9C81F90E}"/>
+          <p:cNvPr id="6" name="Imagen 5">
+            <a:extLst>
+              <a:ext uri="{FF2B5EF4-FFF2-40B4-BE49-F238E27FC236}">
+                <a16:creationId xmlns:a16="http://schemas.microsoft.com/office/drawing/2014/main" id="{61FCF4BA-ADBE-98A9-1BC7-503C4A287648}"/>
               </a:ext>
             </a:extLst>
           </p:cNvPr>
@@ -4244,8 +4244,8 @@
         </p:blipFill>
         <p:spPr>
           <a:xfrm>
-            <a:off x="838200" y="1690688"/>
-            <a:ext cx="9277350" cy="4514850"/>
+            <a:off x="971893" y="1558369"/>
+            <a:ext cx="9267825" cy="4457700"/>
           </a:xfrm>
           <a:prstGeom prst="rect">
             <a:avLst/>
@@ -4625,7 +4625,15 @@
           <a:p>
             <a:r>
               <a:rPr lang="es-ES" dirty="0"/>
-              <a:t>Para integrar con Visual Studio (no hay que copiar los archivos)</a:t>
+              <a:t>Para integrar con Visual Studio (</a:t>
+            </a:r>
+            <a:r>
+              <a:rPr lang="es-ES" b="1" i="1" dirty="0"/>
+              <a:t>no hay que copiar los archivos</a:t>
+            </a:r>
+            <a:r>
+              <a:rPr lang="es-ES" dirty="0"/>
+              <a:t>)</a:t>
             </a:r>
           </a:p>
           <a:p>
